--- a/doc/课件/6-第五节：路由与动态加载.pptx
+++ b/doc/课件/6-第五节：路由与动态加载.pptx
@@ -2730,7 +2730,7 @@
                 <a:srgbClr val="FFFFFF"/>
               </a:buClr>
               <a:buSzPct val="25000"/>
-              <a:buFont typeface="Roboto" panose="02010600030101010101"/>
+              <a:buFont typeface="Roboto"/>
               <a:buNone/>
             </a:pPr>
             <a:r>
@@ -2738,10 +2738,10 @@
                 <a:solidFill>
                   <a:srgbClr val="FFFFFF"/>
                 </a:solidFill>
-                <a:latin typeface="Roboto" panose="02010600030101010101"/>
-                <a:ea typeface="Roboto" panose="02010600030101010101"/>
-                <a:cs typeface="Roboto" panose="02010600030101010101"/>
-                <a:sym typeface="Roboto" panose="02010600030101010101"/>
+                <a:latin typeface="Roboto"/>
+                <a:ea typeface="Roboto"/>
+                <a:cs typeface="Roboto"/>
+                <a:sym typeface="Roboto"/>
               </a:rPr>
               <a:t>Proprietary + Confidential</a:t>
             </a:r>
@@ -2749,10 +2749,10 @@
               <a:solidFill>
                 <a:srgbClr val="FFFFFF"/>
               </a:solidFill>
-              <a:latin typeface="Roboto" panose="02010600030101010101"/>
-              <a:ea typeface="Roboto" panose="02010600030101010101"/>
-              <a:cs typeface="Roboto" panose="02010600030101010101"/>
-              <a:sym typeface="Roboto" panose="02010600030101010101"/>
+              <a:latin typeface="Roboto"/>
+              <a:ea typeface="Roboto"/>
+              <a:cs typeface="Roboto"/>
+              <a:sym typeface="Roboto"/>
             </a:endParaRPr>
           </a:p>
         </p:txBody>
@@ -2849,16 +2849,16 @@
               <a:buClr>
                 <a:schemeClr val="accent2"/>
               </a:buClr>
-              <a:buFont typeface="Roboto" panose="02010600030101010101"/>
+              <a:buFont typeface="Roboto"/>
               <a:buNone/>
               <a:defRPr sz="3600" b="0" i="0" u="none" strike="noStrike" cap="none">
                 <a:solidFill>
                   <a:srgbClr val="FFFFFF"/>
                 </a:solidFill>
-                <a:latin typeface="Roboto" panose="02010600030101010101"/>
-                <a:ea typeface="Roboto" panose="02010600030101010101"/>
-                <a:cs typeface="Roboto" panose="02010600030101010101"/>
-                <a:sym typeface="Roboto" panose="02010600030101010101"/>
+                <a:latin typeface="Roboto"/>
+                <a:ea typeface="Roboto"/>
+                <a:cs typeface="Roboto"/>
+                <a:sym typeface="Roboto"/>
               </a:defRPr>
             </a:lvl1pPr>
             <a:lvl2pPr lvl="1" indent="0" algn="ctr" rtl="0">
@@ -4316,16 +4316,16 @@
               <a:buClr>
                 <a:schemeClr val="accent2"/>
               </a:buClr>
-              <a:buFont typeface="Roboto" panose="02010600030101010101"/>
+              <a:buFont typeface="Roboto"/>
               <a:buNone/>
               <a:defRPr sz="2600" b="0" i="0" u="none" strike="noStrike" cap="none">
                 <a:solidFill>
                   <a:srgbClr val="666666"/>
                 </a:solidFill>
-                <a:latin typeface="Roboto" panose="02010600030101010101"/>
-                <a:ea typeface="Roboto" panose="02010600030101010101"/>
-                <a:cs typeface="Roboto" panose="02010600030101010101"/>
-                <a:sym typeface="Roboto" panose="02010600030101010101"/>
+                <a:latin typeface="Roboto"/>
+                <a:ea typeface="Roboto"/>
+                <a:cs typeface="Roboto"/>
+                <a:sym typeface="Roboto"/>
               </a:defRPr>
             </a:lvl1pPr>
             <a:lvl2pPr lvl="1" indent="0" rtl="0">
@@ -4596,16 +4596,16 @@
               <a:buClr>
                 <a:schemeClr val="accent2"/>
               </a:buClr>
-              <a:buFont typeface="Roboto" panose="02010600030101010101"/>
+              <a:buFont typeface="Roboto"/>
               <a:buNone/>
               <a:defRPr sz="2600" b="0" i="0" u="none" strike="noStrike" cap="none">
                 <a:solidFill>
                   <a:srgbClr val="666666"/>
                 </a:solidFill>
-                <a:latin typeface="Roboto" panose="02010600030101010101"/>
-                <a:ea typeface="Roboto" panose="02010600030101010101"/>
-                <a:cs typeface="Roboto" panose="02010600030101010101"/>
-                <a:sym typeface="Roboto" panose="02010600030101010101"/>
+                <a:latin typeface="Roboto"/>
+                <a:ea typeface="Roboto"/>
+                <a:cs typeface="Roboto"/>
+                <a:sym typeface="Roboto"/>
               </a:defRPr>
             </a:lvl1pPr>
             <a:lvl2pPr lvl="1" indent="0" rtl="0">
@@ -4615,16 +4615,16 @@
               <a:buClr>
                 <a:schemeClr val="accent2"/>
               </a:buClr>
-              <a:buFont typeface="Roboto" panose="02010600030101010101"/>
+              <a:buFont typeface="Roboto"/>
               <a:buNone/>
               <a:defRPr sz="3600">
                 <a:solidFill>
                   <a:schemeClr val="accent2"/>
                 </a:solidFill>
-                <a:latin typeface="Roboto" panose="02010600030101010101"/>
-                <a:ea typeface="Roboto" panose="02010600030101010101"/>
-                <a:cs typeface="Roboto" panose="02010600030101010101"/>
-                <a:sym typeface="Roboto" panose="02010600030101010101"/>
+                <a:latin typeface="Roboto"/>
+                <a:ea typeface="Roboto"/>
+                <a:cs typeface="Roboto"/>
+                <a:sym typeface="Roboto"/>
               </a:defRPr>
             </a:lvl2pPr>
             <a:lvl3pPr lvl="2" indent="0" rtl="0">
@@ -4634,16 +4634,16 @@
               <a:buClr>
                 <a:schemeClr val="accent2"/>
               </a:buClr>
-              <a:buFont typeface="Roboto" panose="02010600030101010101"/>
+              <a:buFont typeface="Roboto"/>
               <a:buNone/>
               <a:defRPr sz="3600">
                 <a:solidFill>
                   <a:schemeClr val="accent2"/>
                 </a:solidFill>
-                <a:latin typeface="Roboto" panose="02010600030101010101"/>
-                <a:ea typeface="Roboto" panose="02010600030101010101"/>
-                <a:cs typeface="Roboto" panose="02010600030101010101"/>
-                <a:sym typeface="Roboto" panose="02010600030101010101"/>
+                <a:latin typeface="Roboto"/>
+                <a:ea typeface="Roboto"/>
+                <a:cs typeface="Roboto"/>
+                <a:sym typeface="Roboto"/>
               </a:defRPr>
             </a:lvl3pPr>
             <a:lvl4pPr lvl="3" indent="0" rtl="0">
@@ -4653,16 +4653,16 @@
               <a:buClr>
                 <a:schemeClr val="accent2"/>
               </a:buClr>
-              <a:buFont typeface="Roboto" panose="02010600030101010101"/>
+              <a:buFont typeface="Roboto"/>
               <a:buNone/>
               <a:defRPr sz="3600">
                 <a:solidFill>
                   <a:schemeClr val="accent2"/>
                 </a:solidFill>
-                <a:latin typeface="Roboto" panose="02010600030101010101"/>
-                <a:ea typeface="Roboto" panose="02010600030101010101"/>
-                <a:cs typeface="Roboto" panose="02010600030101010101"/>
-                <a:sym typeface="Roboto" panose="02010600030101010101"/>
+                <a:latin typeface="Roboto"/>
+                <a:ea typeface="Roboto"/>
+                <a:cs typeface="Roboto"/>
+                <a:sym typeface="Roboto"/>
               </a:defRPr>
             </a:lvl4pPr>
             <a:lvl5pPr lvl="4" indent="0" rtl="0">
@@ -4672,16 +4672,16 @@
               <a:buClr>
                 <a:schemeClr val="accent2"/>
               </a:buClr>
-              <a:buFont typeface="Roboto" panose="02010600030101010101"/>
+              <a:buFont typeface="Roboto"/>
               <a:buNone/>
               <a:defRPr sz="3600">
                 <a:solidFill>
                   <a:schemeClr val="accent2"/>
                 </a:solidFill>
-                <a:latin typeface="Roboto" panose="02010600030101010101"/>
-                <a:ea typeface="Roboto" panose="02010600030101010101"/>
-                <a:cs typeface="Roboto" panose="02010600030101010101"/>
-                <a:sym typeface="Roboto" panose="02010600030101010101"/>
+                <a:latin typeface="Roboto"/>
+                <a:ea typeface="Roboto"/>
+                <a:cs typeface="Roboto"/>
+                <a:sym typeface="Roboto"/>
               </a:defRPr>
             </a:lvl5pPr>
             <a:lvl6pPr lvl="5" indent="0" rtl="0">
@@ -4691,16 +4691,16 @@
               <a:buClr>
                 <a:schemeClr val="accent2"/>
               </a:buClr>
-              <a:buFont typeface="Roboto" panose="02010600030101010101"/>
+              <a:buFont typeface="Roboto"/>
               <a:buNone/>
               <a:defRPr sz="3600">
                 <a:solidFill>
                   <a:schemeClr val="accent2"/>
                 </a:solidFill>
-                <a:latin typeface="Roboto" panose="02010600030101010101"/>
-                <a:ea typeface="Roboto" panose="02010600030101010101"/>
-                <a:cs typeface="Roboto" panose="02010600030101010101"/>
-                <a:sym typeface="Roboto" panose="02010600030101010101"/>
+                <a:latin typeface="Roboto"/>
+                <a:ea typeface="Roboto"/>
+                <a:cs typeface="Roboto"/>
+                <a:sym typeface="Roboto"/>
               </a:defRPr>
             </a:lvl6pPr>
             <a:lvl7pPr lvl="6" indent="0" rtl="0">
@@ -4710,16 +4710,16 @@
               <a:buClr>
                 <a:schemeClr val="accent2"/>
               </a:buClr>
-              <a:buFont typeface="Roboto" panose="02010600030101010101"/>
+              <a:buFont typeface="Roboto"/>
               <a:buNone/>
               <a:defRPr sz="3600">
                 <a:solidFill>
                   <a:schemeClr val="accent2"/>
                 </a:solidFill>
-                <a:latin typeface="Roboto" panose="02010600030101010101"/>
-                <a:ea typeface="Roboto" panose="02010600030101010101"/>
-                <a:cs typeface="Roboto" panose="02010600030101010101"/>
-                <a:sym typeface="Roboto" panose="02010600030101010101"/>
+                <a:latin typeface="Roboto"/>
+                <a:ea typeface="Roboto"/>
+                <a:cs typeface="Roboto"/>
+                <a:sym typeface="Roboto"/>
               </a:defRPr>
             </a:lvl7pPr>
             <a:lvl8pPr lvl="7" indent="0" rtl="0">
@@ -4729,16 +4729,16 @@
               <a:buClr>
                 <a:schemeClr val="accent2"/>
               </a:buClr>
-              <a:buFont typeface="Roboto" panose="02010600030101010101"/>
+              <a:buFont typeface="Roboto"/>
               <a:buNone/>
               <a:defRPr sz="3600">
                 <a:solidFill>
                   <a:schemeClr val="accent2"/>
                 </a:solidFill>
-                <a:latin typeface="Roboto" panose="02010600030101010101"/>
-                <a:ea typeface="Roboto" panose="02010600030101010101"/>
-                <a:cs typeface="Roboto" panose="02010600030101010101"/>
-                <a:sym typeface="Roboto" panose="02010600030101010101"/>
+                <a:latin typeface="Roboto"/>
+                <a:ea typeface="Roboto"/>
+                <a:cs typeface="Roboto"/>
+                <a:sym typeface="Roboto"/>
               </a:defRPr>
             </a:lvl8pPr>
             <a:lvl9pPr lvl="8" indent="0" rtl="0">
@@ -4748,16 +4748,16 @@
               <a:buClr>
                 <a:schemeClr val="accent2"/>
               </a:buClr>
-              <a:buFont typeface="Roboto" panose="02010600030101010101"/>
+              <a:buFont typeface="Roboto"/>
               <a:buNone/>
               <a:defRPr sz="3600">
                 <a:solidFill>
                   <a:schemeClr val="accent2"/>
                 </a:solidFill>
-                <a:latin typeface="Roboto" panose="02010600030101010101"/>
-                <a:ea typeface="Roboto" panose="02010600030101010101"/>
-                <a:cs typeface="Roboto" panose="02010600030101010101"/>
-                <a:sym typeface="Roboto" panose="02010600030101010101"/>
+                <a:latin typeface="Roboto"/>
+                <a:ea typeface="Roboto"/>
+                <a:cs typeface="Roboto"/>
+                <a:sym typeface="Roboto"/>
               </a:defRPr>
             </a:lvl9pPr>
           </a:lstStyle>
@@ -4908,16 +4908,16 @@
               <a:buClr>
                 <a:schemeClr val="accent2"/>
               </a:buClr>
-              <a:buFont typeface="Roboto" panose="02010600030101010101"/>
+              <a:buFont typeface="Roboto"/>
               <a:buNone/>
               <a:defRPr sz="2600" b="0" i="0" u="none" strike="noStrike" cap="none">
                 <a:solidFill>
                   <a:srgbClr val="666666"/>
                 </a:solidFill>
-                <a:latin typeface="Roboto" panose="02010600030101010101"/>
-                <a:ea typeface="Roboto" panose="02010600030101010101"/>
-                <a:cs typeface="Roboto" panose="02010600030101010101"/>
-                <a:sym typeface="Roboto" panose="02010600030101010101"/>
+                <a:latin typeface="Roboto"/>
+                <a:ea typeface="Roboto"/>
+                <a:cs typeface="Roboto"/>
+                <a:sym typeface="Roboto"/>
               </a:defRPr>
             </a:lvl1pPr>
             <a:lvl2pPr lvl="1" indent="0" rtl="0">
@@ -5188,16 +5188,16 @@
               <a:buClr>
                 <a:schemeClr val="accent2"/>
               </a:buClr>
-              <a:buFont typeface="Roboto" panose="02010600030101010101"/>
+              <a:buFont typeface="Roboto"/>
               <a:buNone/>
               <a:defRPr sz="2600" b="0" i="0" u="none" strike="noStrike" cap="none">
                 <a:solidFill>
                   <a:srgbClr val="666666"/>
                 </a:solidFill>
-                <a:latin typeface="Roboto" panose="02010600030101010101"/>
-                <a:ea typeface="Roboto" panose="02010600030101010101"/>
-                <a:cs typeface="Roboto" panose="02010600030101010101"/>
-                <a:sym typeface="Roboto" panose="02010600030101010101"/>
+                <a:latin typeface="Roboto"/>
+                <a:ea typeface="Roboto"/>
+                <a:cs typeface="Roboto"/>
+                <a:sym typeface="Roboto"/>
               </a:defRPr>
             </a:lvl1pPr>
             <a:lvl2pPr lvl="1" indent="0" rtl="0">
@@ -5561,16 +5561,16 @@
               <a:buClr>
                 <a:schemeClr val="accent2"/>
               </a:buClr>
-              <a:buFont typeface="Roboto" panose="02010600030101010101"/>
+              <a:buFont typeface="Roboto"/>
               <a:buNone/>
               <a:defRPr sz="2600" b="0" i="0" u="none" strike="noStrike" cap="none">
                 <a:solidFill>
                   <a:srgbClr val="666666"/>
                 </a:solidFill>
-                <a:latin typeface="Roboto" panose="02010600030101010101"/>
-                <a:ea typeface="Roboto" panose="02010600030101010101"/>
-                <a:cs typeface="Roboto" panose="02010600030101010101"/>
-                <a:sym typeface="Roboto" panose="02010600030101010101"/>
+                <a:latin typeface="Roboto"/>
+                <a:ea typeface="Roboto"/>
+                <a:cs typeface="Roboto"/>
+                <a:sym typeface="Roboto"/>
               </a:defRPr>
             </a:lvl1pPr>
             <a:lvl2pPr lvl="1" indent="0" rtl="0">
@@ -5867,16 +5867,16 @@
               <a:buClr>
                 <a:schemeClr val="accent2"/>
               </a:buClr>
-              <a:buFont typeface="Roboto" panose="02010600030101010101"/>
+              <a:buFont typeface="Roboto"/>
               <a:buNone/>
               <a:defRPr sz="2600" b="0" i="0" u="none" strike="noStrike" cap="none">
                 <a:solidFill>
                   <a:srgbClr val="666666"/>
                 </a:solidFill>
-                <a:latin typeface="Roboto" panose="02010600030101010101"/>
-                <a:ea typeface="Roboto" panose="02010600030101010101"/>
-                <a:cs typeface="Roboto" panose="02010600030101010101"/>
-                <a:sym typeface="Roboto" panose="02010600030101010101"/>
+                <a:latin typeface="Roboto"/>
+                <a:ea typeface="Roboto"/>
+                <a:cs typeface="Roboto"/>
+                <a:sym typeface="Roboto"/>
               </a:defRPr>
             </a:lvl1pPr>
             <a:lvl2pPr lvl="1" indent="0" rtl="0">
@@ -6041,16 +6041,16 @@
                 <a:schemeClr val="accent1"/>
               </a:buClr>
               <a:buSzPct val="100000"/>
-              <a:buFont typeface="Roboto" panose="02010600030101010101"/>
+              <a:buFont typeface="Roboto"/>
               <a:buChar char="●"/>
               <a:defRPr sz="1400" b="0" i="0" u="none" strike="noStrike" cap="none">
                 <a:solidFill>
                   <a:schemeClr val="accent1"/>
                 </a:solidFill>
-                <a:latin typeface="Roboto" panose="02010600030101010101"/>
-                <a:ea typeface="Roboto" panose="02010600030101010101"/>
-                <a:cs typeface="Roboto" panose="02010600030101010101"/>
-                <a:sym typeface="Roboto" panose="02010600030101010101"/>
+                <a:latin typeface="Roboto"/>
+                <a:ea typeface="Roboto"/>
+                <a:cs typeface="Roboto"/>
+                <a:sym typeface="Roboto"/>
               </a:defRPr>
             </a:lvl1pPr>
             <a:lvl2pPr marL="457200" marR="0" lvl="1" indent="177800" algn="l" rtl="0">
@@ -6067,16 +6067,16 @@
                 <a:schemeClr val="accent1"/>
               </a:buClr>
               <a:buSzPct val="100000"/>
-              <a:buFont typeface="Roboto" panose="02010600030101010101"/>
+              <a:buFont typeface="Roboto"/>
               <a:buChar char="○"/>
               <a:defRPr sz="1400" b="0" i="0" u="none" strike="noStrike" cap="none">
                 <a:solidFill>
                   <a:schemeClr val="accent1"/>
                 </a:solidFill>
-                <a:latin typeface="Roboto" panose="02010600030101010101"/>
-                <a:ea typeface="Roboto" panose="02010600030101010101"/>
-                <a:cs typeface="Roboto" panose="02010600030101010101"/>
-                <a:sym typeface="Roboto" panose="02010600030101010101"/>
+                <a:latin typeface="Roboto"/>
+                <a:ea typeface="Roboto"/>
+                <a:cs typeface="Roboto"/>
+                <a:sym typeface="Roboto"/>
               </a:defRPr>
             </a:lvl2pPr>
             <a:lvl3pPr marL="914400" marR="0" lvl="2" indent="177800" algn="l" rtl="0">
@@ -6093,16 +6093,16 @@
                 <a:schemeClr val="accent1"/>
               </a:buClr>
               <a:buSzPct val="100000"/>
-              <a:buFont typeface="Roboto" panose="02010600030101010101"/>
+              <a:buFont typeface="Roboto"/>
               <a:buChar char="■"/>
               <a:defRPr sz="1400" b="0" i="0" u="none" strike="noStrike" cap="none">
                 <a:solidFill>
                   <a:schemeClr val="accent1"/>
                 </a:solidFill>
-                <a:latin typeface="Roboto" panose="02010600030101010101"/>
-                <a:ea typeface="Roboto" panose="02010600030101010101"/>
-                <a:cs typeface="Roboto" panose="02010600030101010101"/>
-                <a:sym typeface="Roboto" panose="02010600030101010101"/>
+                <a:latin typeface="Roboto"/>
+                <a:ea typeface="Roboto"/>
+                <a:cs typeface="Roboto"/>
+                <a:sym typeface="Roboto"/>
               </a:defRPr>
             </a:lvl3pPr>
             <a:lvl4pPr marL="1371600" marR="0" lvl="3" indent="177800" algn="l" rtl="0">
@@ -6119,16 +6119,16 @@
                 <a:schemeClr val="accent1"/>
               </a:buClr>
               <a:buSzPct val="100000"/>
-              <a:buFont typeface="Roboto" panose="02010600030101010101"/>
+              <a:buFont typeface="Roboto"/>
               <a:buChar char="●"/>
               <a:defRPr sz="1400" b="0" i="0" u="none" strike="noStrike" cap="none">
                 <a:solidFill>
                   <a:schemeClr val="accent1"/>
                 </a:solidFill>
-                <a:latin typeface="Roboto" panose="02010600030101010101"/>
-                <a:ea typeface="Roboto" panose="02010600030101010101"/>
-                <a:cs typeface="Roboto" panose="02010600030101010101"/>
-                <a:sym typeface="Roboto" panose="02010600030101010101"/>
+                <a:latin typeface="Roboto"/>
+                <a:ea typeface="Roboto"/>
+                <a:cs typeface="Roboto"/>
+                <a:sym typeface="Roboto"/>
               </a:defRPr>
             </a:lvl4pPr>
             <a:lvl5pPr marL="1828800" marR="0" lvl="4" indent="177800" algn="l" rtl="0">
@@ -6145,16 +6145,16 @@
                 <a:schemeClr val="accent1"/>
               </a:buClr>
               <a:buSzPct val="100000"/>
-              <a:buFont typeface="Roboto" panose="02010600030101010101"/>
+              <a:buFont typeface="Roboto"/>
               <a:buChar char="○"/>
               <a:defRPr sz="1400" b="0" i="0" u="none" strike="noStrike" cap="none">
                 <a:solidFill>
                   <a:schemeClr val="accent1"/>
                 </a:solidFill>
-                <a:latin typeface="Roboto" panose="02010600030101010101"/>
-                <a:ea typeface="Roboto" panose="02010600030101010101"/>
-                <a:cs typeface="Roboto" panose="02010600030101010101"/>
-                <a:sym typeface="Roboto" panose="02010600030101010101"/>
+                <a:latin typeface="Roboto"/>
+                <a:ea typeface="Roboto"/>
+                <a:cs typeface="Roboto"/>
+                <a:sym typeface="Roboto"/>
               </a:defRPr>
             </a:lvl5pPr>
             <a:lvl6pPr marL="2286000" marR="0" lvl="5" indent="177800" algn="l" rtl="0">
@@ -6171,16 +6171,16 @@
                 <a:schemeClr val="accent1"/>
               </a:buClr>
               <a:buSzPct val="100000"/>
-              <a:buFont typeface="Roboto" panose="02010600030101010101"/>
+              <a:buFont typeface="Roboto"/>
               <a:buChar char="■"/>
               <a:defRPr sz="1400" b="0" i="0" u="none" strike="noStrike" cap="none">
                 <a:solidFill>
                   <a:schemeClr val="accent1"/>
                 </a:solidFill>
-                <a:latin typeface="Roboto" panose="02010600030101010101"/>
-                <a:ea typeface="Roboto" panose="02010600030101010101"/>
-                <a:cs typeface="Roboto" panose="02010600030101010101"/>
-                <a:sym typeface="Roboto" panose="02010600030101010101"/>
+                <a:latin typeface="Roboto"/>
+                <a:ea typeface="Roboto"/>
+                <a:cs typeface="Roboto"/>
+                <a:sym typeface="Roboto"/>
               </a:defRPr>
             </a:lvl6pPr>
             <a:lvl7pPr marL="2743200" marR="0" lvl="6" indent="177800" algn="l" rtl="0">
@@ -6197,16 +6197,16 @@
                 <a:schemeClr val="accent1"/>
               </a:buClr>
               <a:buSzPct val="100000"/>
-              <a:buFont typeface="Roboto" panose="02010600030101010101"/>
+              <a:buFont typeface="Roboto"/>
               <a:buChar char="●"/>
               <a:defRPr sz="1400" b="0" i="0" u="none" strike="noStrike" cap="none">
                 <a:solidFill>
                   <a:schemeClr val="accent1"/>
                 </a:solidFill>
-                <a:latin typeface="Roboto" panose="02010600030101010101"/>
-                <a:ea typeface="Roboto" panose="02010600030101010101"/>
-                <a:cs typeface="Roboto" panose="02010600030101010101"/>
-                <a:sym typeface="Roboto" panose="02010600030101010101"/>
+                <a:latin typeface="Roboto"/>
+                <a:ea typeface="Roboto"/>
+                <a:cs typeface="Roboto"/>
+                <a:sym typeface="Roboto"/>
               </a:defRPr>
             </a:lvl7pPr>
             <a:lvl8pPr marL="3200400" marR="0" lvl="7" indent="177800" algn="l" rtl="0">
@@ -6223,16 +6223,16 @@
                 <a:schemeClr val="accent1"/>
               </a:buClr>
               <a:buSzPct val="100000"/>
-              <a:buFont typeface="Roboto" panose="02010600030101010101"/>
+              <a:buFont typeface="Roboto"/>
               <a:buChar char="○"/>
               <a:defRPr sz="1400" b="0" i="0" u="none" strike="noStrike" cap="none">
                 <a:solidFill>
                   <a:schemeClr val="accent1"/>
                 </a:solidFill>
-                <a:latin typeface="Roboto" panose="02010600030101010101"/>
-                <a:ea typeface="Roboto" panose="02010600030101010101"/>
-                <a:cs typeface="Roboto" panose="02010600030101010101"/>
-                <a:sym typeface="Roboto" panose="02010600030101010101"/>
+                <a:latin typeface="Roboto"/>
+                <a:ea typeface="Roboto"/>
+                <a:cs typeface="Roboto"/>
+                <a:sym typeface="Roboto"/>
               </a:defRPr>
             </a:lvl8pPr>
             <a:lvl9pPr marL="3657600" marR="0" lvl="8" indent="177800" algn="l" rtl="0">
@@ -6249,16 +6249,16 @@
                 <a:schemeClr val="accent1"/>
               </a:buClr>
               <a:buSzPct val="100000"/>
-              <a:buFont typeface="Roboto" panose="02010600030101010101"/>
+              <a:buFont typeface="Roboto"/>
               <a:buChar char="■"/>
               <a:defRPr sz="1400" b="0" i="0" u="none" strike="noStrike" cap="none">
                 <a:solidFill>
                   <a:schemeClr val="accent1"/>
                 </a:solidFill>
-                <a:latin typeface="Roboto" panose="02010600030101010101"/>
-                <a:ea typeface="Roboto" panose="02010600030101010101"/>
-                <a:cs typeface="Roboto" panose="02010600030101010101"/>
-                <a:sym typeface="Roboto" panose="02010600030101010101"/>
+                <a:latin typeface="Roboto"/>
+                <a:ea typeface="Roboto"/>
+                <a:cs typeface="Roboto"/>
+                <a:sym typeface="Roboto"/>
               </a:defRPr>
             </a:lvl9pPr>
           </a:lstStyle>
@@ -6409,16 +6409,16 @@
               <a:buClr>
                 <a:schemeClr val="accent2"/>
               </a:buClr>
-              <a:buFont typeface="Roboto" panose="02010600030101010101"/>
+              <a:buFont typeface="Roboto"/>
               <a:buNone/>
               <a:defRPr sz="2600" b="0" i="0" u="none" strike="noStrike" cap="none">
                 <a:solidFill>
                   <a:srgbClr val="666666"/>
                 </a:solidFill>
-                <a:latin typeface="Roboto" panose="02010600030101010101"/>
-                <a:ea typeface="Roboto" panose="02010600030101010101"/>
-                <a:cs typeface="Roboto" panose="02010600030101010101"/>
-                <a:sym typeface="Roboto" panose="02010600030101010101"/>
+                <a:latin typeface="Roboto"/>
+                <a:ea typeface="Roboto"/>
+                <a:cs typeface="Roboto"/>
+                <a:sym typeface="Roboto"/>
               </a:defRPr>
             </a:lvl1pPr>
             <a:lvl2pPr lvl="1" indent="0" rtl="0">
@@ -6582,16 +6582,16 @@
               <a:buClr>
                 <a:schemeClr val="accent1"/>
               </a:buClr>
-              <a:buFont typeface="Roboto" panose="02010600030101010101"/>
+              <a:buFont typeface="Roboto"/>
               <a:buNone/>
               <a:defRPr sz="1200" b="0" i="0" u="none" strike="noStrike" cap="none">
                 <a:solidFill>
                   <a:schemeClr val="accent1"/>
                 </a:solidFill>
-                <a:latin typeface="Roboto" panose="02010600030101010101"/>
-                <a:ea typeface="Roboto" panose="02010600030101010101"/>
-                <a:cs typeface="Roboto" panose="02010600030101010101"/>
-                <a:sym typeface="Roboto" panose="02010600030101010101"/>
+                <a:latin typeface="Roboto"/>
+                <a:ea typeface="Roboto"/>
+                <a:cs typeface="Roboto"/>
+                <a:sym typeface="Roboto"/>
               </a:defRPr>
             </a:lvl1pPr>
             <a:lvl2pPr marL="457200" marR="0" lvl="1" indent="0" algn="l" rtl="0">
@@ -6607,16 +6607,16 @@
               <a:buClr>
                 <a:schemeClr val="accent1"/>
               </a:buClr>
-              <a:buFont typeface="Roboto" panose="02010600030101010101"/>
+              <a:buFont typeface="Roboto"/>
               <a:buNone/>
               <a:defRPr sz="1200" b="0" i="0" u="none" strike="noStrike" cap="none">
                 <a:solidFill>
                   <a:schemeClr val="accent1"/>
                 </a:solidFill>
-                <a:latin typeface="Roboto" panose="02010600030101010101"/>
-                <a:ea typeface="Roboto" panose="02010600030101010101"/>
-                <a:cs typeface="Roboto" panose="02010600030101010101"/>
-                <a:sym typeface="Roboto" panose="02010600030101010101"/>
+                <a:latin typeface="Roboto"/>
+                <a:ea typeface="Roboto"/>
+                <a:cs typeface="Roboto"/>
+                <a:sym typeface="Roboto"/>
               </a:defRPr>
             </a:lvl2pPr>
             <a:lvl3pPr marL="914400" marR="0" lvl="2" indent="0" algn="l" rtl="0">
@@ -6632,16 +6632,16 @@
               <a:buClr>
                 <a:schemeClr val="accent1"/>
               </a:buClr>
-              <a:buFont typeface="Roboto" panose="02010600030101010101"/>
+              <a:buFont typeface="Roboto"/>
               <a:buNone/>
               <a:defRPr sz="1200" b="0" i="0" u="none" strike="noStrike" cap="none">
                 <a:solidFill>
                   <a:schemeClr val="accent1"/>
                 </a:solidFill>
-                <a:latin typeface="Roboto" panose="02010600030101010101"/>
-                <a:ea typeface="Roboto" panose="02010600030101010101"/>
-                <a:cs typeface="Roboto" panose="02010600030101010101"/>
-                <a:sym typeface="Roboto" panose="02010600030101010101"/>
+                <a:latin typeface="Roboto"/>
+                <a:ea typeface="Roboto"/>
+                <a:cs typeface="Roboto"/>
+                <a:sym typeface="Roboto"/>
               </a:defRPr>
             </a:lvl3pPr>
             <a:lvl4pPr marL="1371600" marR="0" lvl="3" indent="0" algn="l" rtl="0">
@@ -6657,16 +6657,16 @@
               <a:buClr>
                 <a:schemeClr val="accent1"/>
               </a:buClr>
-              <a:buFont typeface="Roboto" panose="02010600030101010101"/>
+              <a:buFont typeface="Roboto"/>
               <a:buNone/>
               <a:defRPr sz="1200" b="0" i="0" u="none" strike="noStrike" cap="none">
                 <a:solidFill>
                   <a:schemeClr val="accent1"/>
                 </a:solidFill>
-                <a:latin typeface="Roboto" panose="02010600030101010101"/>
-                <a:ea typeface="Roboto" panose="02010600030101010101"/>
-                <a:cs typeface="Roboto" panose="02010600030101010101"/>
-                <a:sym typeface="Roboto" panose="02010600030101010101"/>
+                <a:latin typeface="Roboto"/>
+                <a:ea typeface="Roboto"/>
+                <a:cs typeface="Roboto"/>
+                <a:sym typeface="Roboto"/>
               </a:defRPr>
             </a:lvl4pPr>
             <a:lvl5pPr marL="1828800" marR="0" lvl="4" indent="0" algn="l" rtl="0">
@@ -6682,16 +6682,16 @@
               <a:buClr>
                 <a:schemeClr val="accent1"/>
               </a:buClr>
-              <a:buFont typeface="Roboto" panose="02010600030101010101"/>
+              <a:buFont typeface="Roboto"/>
               <a:buNone/>
               <a:defRPr sz="1200" b="0" i="0" u="none" strike="noStrike" cap="none">
                 <a:solidFill>
                   <a:schemeClr val="accent1"/>
                 </a:solidFill>
-                <a:latin typeface="Roboto" panose="02010600030101010101"/>
-                <a:ea typeface="Roboto" panose="02010600030101010101"/>
-                <a:cs typeface="Roboto" panose="02010600030101010101"/>
-                <a:sym typeface="Roboto" panose="02010600030101010101"/>
+                <a:latin typeface="Roboto"/>
+                <a:ea typeface="Roboto"/>
+                <a:cs typeface="Roboto"/>
+                <a:sym typeface="Roboto"/>
               </a:defRPr>
             </a:lvl5pPr>
             <a:lvl6pPr marL="2286000" marR="0" lvl="5" indent="0" algn="l" rtl="0">
@@ -6707,16 +6707,16 @@
               <a:buClr>
                 <a:schemeClr val="accent1"/>
               </a:buClr>
-              <a:buFont typeface="Roboto" panose="02010600030101010101"/>
+              <a:buFont typeface="Roboto"/>
               <a:buNone/>
               <a:defRPr sz="1200" b="0" i="0" u="none" strike="noStrike" cap="none">
                 <a:solidFill>
                   <a:schemeClr val="accent1"/>
                 </a:solidFill>
-                <a:latin typeface="Roboto" panose="02010600030101010101"/>
-                <a:ea typeface="Roboto" panose="02010600030101010101"/>
-                <a:cs typeface="Roboto" panose="02010600030101010101"/>
-                <a:sym typeface="Roboto" panose="02010600030101010101"/>
+                <a:latin typeface="Roboto"/>
+                <a:ea typeface="Roboto"/>
+                <a:cs typeface="Roboto"/>
+                <a:sym typeface="Roboto"/>
               </a:defRPr>
             </a:lvl6pPr>
             <a:lvl7pPr marL="2743200" marR="0" lvl="6" indent="0" algn="l" rtl="0">
@@ -6732,16 +6732,16 @@
               <a:buClr>
                 <a:schemeClr val="accent1"/>
               </a:buClr>
-              <a:buFont typeface="Roboto" panose="02010600030101010101"/>
+              <a:buFont typeface="Roboto"/>
               <a:buNone/>
               <a:defRPr sz="1200" b="0" i="0" u="none" strike="noStrike" cap="none">
                 <a:solidFill>
                   <a:schemeClr val="accent1"/>
                 </a:solidFill>
-                <a:latin typeface="Roboto" panose="02010600030101010101"/>
-                <a:ea typeface="Roboto" panose="02010600030101010101"/>
-                <a:cs typeface="Roboto" panose="02010600030101010101"/>
-                <a:sym typeface="Roboto" panose="02010600030101010101"/>
+                <a:latin typeface="Roboto"/>
+                <a:ea typeface="Roboto"/>
+                <a:cs typeface="Roboto"/>
+                <a:sym typeface="Roboto"/>
               </a:defRPr>
             </a:lvl7pPr>
             <a:lvl8pPr marL="3200400" marR="0" lvl="7" indent="0" algn="l" rtl="0">
@@ -6757,16 +6757,16 @@
               <a:buClr>
                 <a:schemeClr val="accent1"/>
               </a:buClr>
-              <a:buFont typeface="Roboto" panose="02010600030101010101"/>
+              <a:buFont typeface="Roboto"/>
               <a:buNone/>
               <a:defRPr sz="1200" b="0" i="0" u="none" strike="noStrike" cap="none">
                 <a:solidFill>
                   <a:schemeClr val="accent1"/>
                 </a:solidFill>
-                <a:latin typeface="Roboto" panose="02010600030101010101"/>
-                <a:ea typeface="Roboto" panose="02010600030101010101"/>
-                <a:cs typeface="Roboto" panose="02010600030101010101"/>
-                <a:sym typeface="Roboto" panose="02010600030101010101"/>
+                <a:latin typeface="Roboto"/>
+                <a:ea typeface="Roboto"/>
+                <a:cs typeface="Roboto"/>
+                <a:sym typeface="Roboto"/>
               </a:defRPr>
             </a:lvl8pPr>
             <a:lvl9pPr marL="3657600" marR="0" lvl="8" indent="0" algn="l" rtl="0">
@@ -6782,16 +6782,16 @@
               <a:buClr>
                 <a:schemeClr val="accent1"/>
               </a:buClr>
-              <a:buFont typeface="Roboto" panose="02010600030101010101"/>
+              <a:buFont typeface="Roboto"/>
               <a:buNone/>
               <a:defRPr sz="1200" b="0" i="0" u="none" strike="noStrike" cap="none">
                 <a:solidFill>
                   <a:schemeClr val="accent1"/>
                 </a:solidFill>
-                <a:latin typeface="Roboto" panose="02010600030101010101"/>
-                <a:ea typeface="Roboto" panose="02010600030101010101"/>
-                <a:cs typeface="Roboto" panose="02010600030101010101"/>
-                <a:sym typeface="Roboto" panose="02010600030101010101"/>
+                <a:latin typeface="Roboto"/>
+                <a:ea typeface="Roboto"/>
+                <a:cs typeface="Roboto"/>
+                <a:sym typeface="Roboto"/>
               </a:defRPr>
             </a:lvl9pPr>
           </a:lstStyle>
@@ -6835,16 +6835,16 @@
               <a:buClr>
                 <a:schemeClr val="accent1"/>
               </a:buClr>
-              <a:buFont typeface="Roboto" panose="02010600030101010101"/>
+              <a:buFont typeface="Roboto"/>
               <a:buNone/>
               <a:defRPr sz="1200" b="0" i="0" u="none" strike="noStrike" cap="none">
                 <a:solidFill>
                   <a:schemeClr val="accent1"/>
                 </a:solidFill>
-                <a:latin typeface="Roboto" panose="02010600030101010101"/>
-                <a:ea typeface="Roboto" panose="02010600030101010101"/>
-                <a:cs typeface="Roboto" panose="02010600030101010101"/>
-                <a:sym typeface="Roboto" panose="02010600030101010101"/>
+                <a:latin typeface="Roboto"/>
+                <a:ea typeface="Roboto"/>
+                <a:cs typeface="Roboto"/>
+                <a:sym typeface="Roboto"/>
               </a:defRPr>
             </a:lvl1pPr>
             <a:lvl2pPr marL="457200" marR="0" lvl="1" indent="0" algn="l" rtl="0">
@@ -6860,16 +6860,16 @@
               <a:buClr>
                 <a:schemeClr val="accent1"/>
               </a:buClr>
-              <a:buFont typeface="Roboto" panose="02010600030101010101"/>
+              <a:buFont typeface="Roboto"/>
               <a:buNone/>
               <a:defRPr sz="1200" b="0" i="0" u="none" strike="noStrike" cap="none">
                 <a:solidFill>
                   <a:schemeClr val="accent1"/>
                 </a:solidFill>
-                <a:latin typeface="Roboto" panose="02010600030101010101"/>
-                <a:ea typeface="Roboto" panose="02010600030101010101"/>
-                <a:cs typeface="Roboto" panose="02010600030101010101"/>
-                <a:sym typeface="Roboto" panose="02010600030101010101"/>
+                <a:latin typeface="Roboto"/>
+                <a:ea typeface="Roboto"/>
+                <a:cs typeface="Roboto"/>
+                <a:sym typeface="Roboto"/>
               </a:defRPr>
             </a:lvl2pPr>
             <a:lvl3pPr marL="914400" marR="0" lvl="2" indent="0" algn="l" rtl="0">
@@ -6885,16 +6885,16 @@
               <a:buClr>
                 <a:schemeClr val="accent1"/>
               </a:buClr>
-              <a:buFont typeface="Roboto" panose="02010600030101010101"/>
+              <a:buFont typeface="Roboto"/>
               <a:buNone/>
               <a:defRPr sz="1200" b="0" i="0" u="none" strike="noStrike" cap="none">
                 <a:solidFill>
                   <a:schemeClr val="accent1"/>
                 </a:solidFill>
-                <a:latin typeface="Roboto" panose="02010600030101010101"/>
-                <a:ea typeface="Roboto" panose="02010600030101010101"/>
-                <a:cs typeface="Roboto" panose="02010600030101010101"/>
-                <a:sym typeface="Roboto" panose="02010600030101010101"/>
+                <a:latin typeface="Roboto"/>
+                <a:ea typeface="Roboto"/>
+                <a:cs typeface="Roboto"/>
+                <a:sym typeface="Roboto"/>
               </a:defRPr>
             </a:lvl3pPr>
             <a:lvl4pPr marL="1371600" marR="0" lvl="3" indent="0" algn="l" rtl="0">
@@ -6910,16 +6910,16 @@
               <a:buClr>
                 <a:schemeClr val="accent1"/>
               </a:buClr>
-              <a:buFont typeface="Roboto" panose="02010600030101010101"/>
+              <a:buFont typeface="Roboto"/>
               <a:buNone/>
               <a:defRPr sz="1200" b="0" i="0" u="none" strike="noStrike" cap="none">
                 <a:solidFill>
                   <a:schemeClr val="accent1"/>
                 </a:solidFill>
-                <a:latin typeface="Roboto" panose="02010600030101010101"/>
-                <a:ea typeface="Roboto" panose="02010600030101010101"/>
-                <a:cs typeface="Roboto" panose="02010600030101010101"/>
-                <a:sym typeface="Roboto" panose="02010600030101010101"/>
+                <a:latin typeface="Roboto"/>
+                <a:ea typeface="Roboto"/>
+                <a:cs typeface="Roboto"/>
+                <a:sym typeface="Roboto"/>
               </a:defRPr>
             </a:lvl4pPr>
             <a:lvl5pPr marL="1828800" marR="0" lvl="4" indent="0" algn="l" rtl="0">
@@ -6935,16 +6935,16 @@
               <a:buClr>
                 <a:schemeClr val="accent1"/>
               </a:buClr>
-              <a:buFont typeface="Roboto" panose="02010600030101010101"/>
+              <a:buFont typeface="Roboto"/>
               <a:buNone/>
               <a:defRPr sz="1200" b="0" i="0" u="none" strike="noStrike" cap="none">
                 <a:solidFill>
                   <a:schemeClr val="accent1"/>
                 </a:solidFill>
-                <a:latin typeface="Roboto" panose="02010600030101010101"/>
-                <a:ea typeface="Roboto" panose="02010600030101010101"/>
-                <a:cs typeface="Roboto" panose="02010600030101010101"/>
-                <a:sym typeface="Roboto" panose="02010600030101010101"/>
+                <a:latin typeface="Roboto"/>
+                <a:ea typeface="Roboto"/>
+                <a:cs typeface="Roboto"/>
+                <a:sym typeface="Roboto"/>
               </a:defRPr>
             </a:lvl5pPr>
             <a:lvl6pPr marL="2286000" marR="0" lvl="5" indent="0" algn="l" rtl="0">
@@ -6960,16 +6960,16 @@
               <a:buClr>
                 <a:schemeClr val="accent1"/>
               </a:buClr>
-              <a:buFont typeface="Roboto" panose="02010600030101010101"/>
+              <a:buFont typeface="Roboto"/>
               <a:buNone/>
               <a:defRPr sz="1200" b="0" i="0" u="none" strike="noStrike" cap="none">
                 <a:solidFill>
                   <a:schemeClr val="accent1"/>
                 </a:solidFill>
-                <a:latin typeface="Roboto" panose="02010600030101010101"/>
-                <a:ea typeface="Roboto" panose="02010600030101010101"/>
-                <a:cs typeface="Roboto" panose="02010600030101010101"/>
-                <a:sym typeface="Roboto" panose="02010600030101010101"/>
+                <a:latin typeface="Roboto"/>
+                <a:ea typeface="Roboto"/>
+                <a:cs typeface="Roboto"/>
+                <a:sym typeface="Roboto"/>
               </a:defRPr>
             </a:lvl6pPr>
             <a:lvl7pPr marL="2743200" marR="0" lvl="6" indent="0" algn="l" rtl="0">
@@ -6985,16 +6985,16 @@
               <a:buClr>
                 <a:schemeClr val="accent1"/>
               </a:buClr>
-              <a:buFont typeface="Roboto" panose="02010600030101010101"/>
+              <a:buFont typeface="Roboto"/>
               <a:buNone/>
               <a:defRPr sz="1200" b="0" i="0" u="none" strike="noStrike" cap="none">
                 <a:solidFill>
                   <a:schemeClr val="accent1"/>
                 </a:solidFill>
-                <a:latin typeface="Roboto" panose="02010600030101010101"/>
-                <a:ea typeface="Roboto" panose="02010600030101010101"/>
-                <a:cs typeface="Roboto" panose="02010600030101010101"/>
-                <a:sym typeface="Roboto" panose="02010600030101010101"/>
+                <a:latin typeface="Roboto"/>
+                <a:ea typeface="Roboto"/>
+                <a:cs typeface="Roboto"/>
+                <a:sym typeface="Roboto"/>
               </a:defRPr>
             </a:lvl7pPr>
             <a:lvl8pPr marL="3200400" marR="0" lvl="7" indent="0" algn="l" rtl="0">
@@ -7010,16 +7010,16 @@
               <a:buClr>
                 <a:schemeClr val="accent1"/>
               </a:buClr>
-              <a:buFont typeface="Roboto" panose="02010600030101010101"/>
+              <a:buFont typeface="Roboto"/>
               <a:buNone/>
               <a:defRPr sz="1200" b="0" i="0" u="none" strike="noStrike" cap="none">
                 <a:solidFill>
                   <a:schemeClr val="accent1"/>
                 </a:solidFill>
-                <a:latin typeface="Roboto" panose="02010600030101010101"/>
-                <a:ea typeface="Roboto" panose="02010600030101010101"/>
-                <a:cs typeface="Roboto" panose="02010600030101010101"/>
-                <a:sym typeface="Roboto" panose="02010600030101010101"/>
+                <a:latin typeface="Roboto"/>
+                <a:ea typeface="Roboto"/>
+                <a:cs typeface="Roboto"/>
+                <a:sym typeface="Roboto"/>
               </a:defRPr>
             </a:lvl8pPr>
             <a:lvl9pPr marL="3657600" marR="0" lvl="8" indent="0" algn="l" rtl="0">
@@ -7035,16 +7035,16 @@
               <a:buClr>
                 <a:schemeClr val="accent1"/>
               </a:buClr>
-              <a:buFont typeface="Roboto" panose="02010600030101010101"/>
+              <a:buFont typeface="Roboto"/>
               <a:buNone/>
               <a:defRPr sz="1200" b="0" i="0" u="none" strike="noStrike" cap="none">
                 <a:solidFill>
                   <a:schemeClr val="accent1"/>
                 </a:solidFill>
-                <a:latin typeface="Roboto" panose="02010600030101010101"/>
-                <a:ea typeface="Roboto" panose="02010600030101010101"/>
-                <a:cs typeface="Roboto" panose="02010600030101010101"/>
-                <a:sym typeface="Roboto" panose="02010600030101010101"/>
+                <a:latin typeface="Roboto"/>
+                <a:ea typeface="Roboto"/>
+                <a:cs typeface="Roboto"/>
+                <a:sym typeface="Roboto"/>
               </a:defRPr>
             </a:lvl9pPr>
           </a:lstStyle>
@@ -7088,16 +7088,16 @@
               <a:buClr>
                 <a:schemeClr val="accent1"/>
               </a:buClr>
-              <a:buFont typeface="Roboto" panose="02010600030101010101"/>
+              <a:buFont typeface="Roboto"/>
               <a:buNone/>
               <a:defRPr sz="1200" b="0" i="0" u="none" strike="noStrike" cap="none">
                 <a:solidFill>
                   <a:schemeClr val="accent1"/>
                 </a:solidFill>
-                <a:latin typeface="Roboto" panose="02010600030101010101"/>
-                <a:ea typeface="Roboto" panose="02010600030101010101"/>
-                <a:cs typeface="Roboto" panose="02010600030101010101"/>
-                <a:sym typeface="Roboto" panose="02010600030101010101"/>
+                <a:latin typeface="Roboto"/>
+                <a:ea typeface="Roboto"/>
+                <a:cs typeface="Roboto"/>
+                <a:sym typeface="Roboto"/>
               </a:defRPr>
             </a:lvl1pPr>
             <a:lvl2pPr marL="457200" marR="0" lvl="1" indent="0" algn="l" rtl="0">
@@ -7113,16 +7113,16 @@
               <a:buClr>
                 <a:schemeClr val="accent1"/>
               </a:buClr>
-              <a:buFont typeface="Roboto" panose="02010600030101010101"/>
+              <a:buFont typeface="Roboto"/>
               <a:buNone/>
               <a:defRPr sz="1200" b="0" i="0" u="none" strike="noStrike" cap="none">
                 <a:solidFill>
                   <a:schemeClr val="accent1"/>
                 </a:solidFill>
-                <a:latin typeface="Roboto" panose="02010600030101010101"/>
-                <a:ea typeface="Roboto" panose="02010600030101010101"/>
-                <a:cs typeface="Roboto" panose="02010600030101010101"/>
-                <a:sym typeface="Roboto" panose="02010600030101010101"/>
+                <a:latin typeface="Roboto"/>
+                <a:ea typeface="Roboto"/>
+                <a:cs typeface="Roboto"/>
+                <a:sym typeface="Roboto"/>
               </a:defRPr>
             </a:lvl2pPr>
             <a:lvl3pPr marL="914400" marR="0" lvl="2" indent="0" algn="l" rtl="0">
@@ -7138,16 +7138,16 @@
               <a:buClr>
                 <a:schemeClr val="accent1"/>
               </a:buClr>
-              <a:buFont typeface="Roboto" panose="02010600030101010101"/>
+              <a:buFont typeface="Roboto"/>
               <a:buNone/>
               <a:defRPr sz="1200" b="0" i="0" u="none" strike="noStrike" cap="none">
                 <a:solidFill>
                   <a:schemeClr val="accent1"/>
                 </a:solidFill>
-                <a:latin typeface="Roboto" panose="02010600030101010101"/>
-                <a:ea typeface="Roboto" panose="02010600030101010101"/>
-                <a:cs typeface="Roboto" panose="02010600030101010101"/>
-                <a:sym typeface="Roboto" panose="02010600030101010101"/>
+                <a:latin typeface="Roboto"/>
+                <a:ea typeface="Roboto"/>
+                <a:cs typeface="Roboto"/>
+                <a:sym typeface="Roboto"/>
               </a:defRPr>
             </a:lvl3pPr>
             <a:lvl4pPr marL="1371600" marR="0" lvl="3" indent="0" algn="l" rtl="0">
@@ -7163,16 +7163,16 @@
               <a:buClr>
                 <a:schemeClr val="accent1"/>
               </a:buClr>
-              <a:buFont typeface="Roboto" panose="02010600030101010101"/>
+              <a:buFont typeface="Roboto"/>
               <a:buNone/>
               <a:defRPr sz="1200" b="0" i="0" u="none" strike="noStrike" cap="none">
                 <a:solidFill>
                   <a:schemeClr val="accent1"/>
                 </a:solidFill>
-                <a:latin typeface="Roboto" panose="02010600030101010101"/>
-                <a:ea typeface="Roboto" panose="02010600030101010101"/>
-                <a:cs typeface="Roboto" panose="02010600030101010101"/>
-                <a:sym typeface="Roboto" panose="02010600030101010101"/>
+                <a:latin typeface="Roboto"/>
+                <a:ea typeface="Roboto"/>
+                <a:cs typeface="Roboto"/>
+                <a:sym typeface="Roboto"/>
               </a:defRPr>
             </a:lvl4pPr>
             <a:lvl5pPr marL="1828800" marR="0" lvl="4" indent="0" algn="l" rtl="0">
@@ -7188,16 +7188,16 @@
               <a:buClr>
                 <a:schemeClr val="accent1"/>
               </a:buClr>
-              <a:buFont typeface="Roboto" panose="02010600030101010101"/>
+              <a:buFont typeface="Roboto"/>
               <a:buNone/>
               <a:defRPr sz="1200" b="0" i="0" u="none" strike="noStrike" cap="none">
                 <a:solidFill>
                   <a:schemeClr val="accent1"/>
                 </a:solidFill>
-                <a:latin typeface="Roboto" panose="02010600030101010101"/>
-                <a:ea typeface="Roboto" panose="02010600030101010101"/>
-                <a:cs typeface="Roboto" panose="02010600030101010101"/>
-                <a:sym typeface="Roboto" panose="02010600030101010101"/>
+                <a:latin typeface="Roboto"/>
+                <a:ea typeface="Roboto"/>
+                <a:cs typeface="Roboto"/>
+                <a:sym typeface="Roboto"/>
               </a:defRPr>
             </a:lvl5pPr>
             <a:lvl6pPr marL="2286000" marR="0" lvl="5" indent="0" algn="l" rtl="0">
@@ -7213,16 +7213,16 @@
               <a:buClr>
                 <a:schemeClr val="accent1"/>
               </a:buClr>
-              <a:buFont typeface="Roboto" panose="02010600030101010101"/>
+              <a:buFont typeface="Roboto"/>
               <a:buNone/>
               <a:defRPr sz="1200" b="0" i="0" u="none" strike="noStrike" cap="none">
                 <a:solidFill>
                   <a:schemeClr val="accent1"/>
                 </a:solidFill>
-                <a:latin typeface="Roboto" panose="02010600030101010101"/>
-                <a:ea typeface="Roboto" panose="02010600030101010101"/>
-                <a:cs typeface="Roboto" panose="02010600030101010101"/>
-                <a:sym typeface="Roboto" panose="02010600030101010101"/>
+                <a:latin typeface="Roboto"/>
+                <a:ea typeface="Roboto"/>
+                <a:cs typeface="Roboto"/>
+                <a:sym typeface="Roboto"/>
               </a:defRPr>
             </a:lvl6pPr>
             <a:lvl7pPr marL="2743200" marR="0" lvl="6" indent="0" algn="l" rtl="0">
@@ -7238,16 +7238,16 @@
               <a:buClr>
                 <a:schemeClr val="accent1"/>
               </a:buClr>
-              <a:buFont typeface="Roboto" panose="02010600030101010101"/>
+              <a:buFont typeface="Roboto"/>
               <a:buNone/>
               <a:defRPr sz="1200" b="0" i="0" u="none" strike="noStrike" cap="none">
                 <a:solidFill>
                   <a:schemeClr val="accent1"/>
                 </a:solidFill>
-                <a:latin typeface="Roboto" panose="02010600030101010101"/>
-                <a:ea typeface="Roboto" panose="02010600030101010101"/>
-                <a:cs typeface="Roboto" panose="02010600030101010101"/>
-                <a:sym typeface="Roboto" panose="02010600030101010101"/>
+                <a:latin typeface="Roboto"/>
+                <a:ea typeface="Roboto"/>
+                <a:cs typeface="Roboto"/>
+                <a:sym typeface="Roboto"/>
               </a:defRPr>
             </a:lvl7pPr>
             <a:lvl8pPr marL="3200400" marR="0" lvl="7" indent="0" algn="l" rtl="0">
@@ -7263,16 +7263,16 @@
               <a:buClr>
                 <a:schemeClr val="accent1"/>
               </a:buClr>
-              <a:buFont typeface="Roboto" panose="02010600030101010101"/>
+              <a:buFont typeface="Roboto"/>
               <a:buNone/>
               <a:defRPr sz="1200" b="0" i="0" u="none" strike="noStrike" cap="none">
                 <a:solidFill>
                   <a:schemeClr val="accent1"/>
                 </a:solidFill>
-                <a:latin typeface="Roboto" panose="02010600030101010101"/>
-                <a:ea typeface="Roboto" panose="02010600030101010101"/>
-                <a:cs typeface="Roboto" panose="02010600030101010101"/>
-                <a:sym typeface="Roboto" panose="02010600030101010101"/>
+                <a:latin typeface="Roboto"/>
+                <a:ea typeface="Roboto"/>
+                <a:cs typeface="Roboto"/>
+                <a:sym typeface="Roboto"/>
               </a:defRPr>
             </a:lvl8pPr>
             <a:lvl9pPr marL="3657600" marR="0" lvl="8" indent="0" algn="l" rtl="0">
@@ -7288,16 +7288,16 @@
               <a:buClr>
                 <a:schemeClr val="accent1"/>
               </a:buClr>
-              <a:buFont typeface="Roboto" panose="02010600030101010101"/>
+              <a:buFont typeface="Roboto"/>
               <a:buNone/>
               <a:defRPr sz="1200" b="0" i="0" u="none" strike="noStrike" cap="none">
                 <a:solidFill>
                   <a:schemeClr val="accent1"/>
                 </a:solidFill>
-                <a:latin typeface="Roboto" panose="02010600030101010101"/>
-                <a:ea typeface="Roboto" panose="02010600030101010101"/>
-                <a:cs typeface="Roboto" panose="02010600030101010101"/>
-                <a:sym typeface="Roboto" panose="02010600030101010101"/>
+                <a:latin typeface="Roboto"/>
+                <a:ea typeface="Roboto"/>
+                <a:cs typeface="Roboto"/>
+                <a:sym typeface="Roboto"/>
               </a:defRPr>
             </a:lvl9pPr>
           </a:lstStyle>
@@ -7448,16 +7448,16 @@
               <a:buClr>
                 <a:schemeClr val="accent2"/>
               </a:buClr>
-              <a:buFont typeface="Roboto" panose="02010600030101010101"/>
+              <a:buFont typeface="Roboto"/>
               <a:buNone/>
               <a:defRPr sz="2600" b="0" i="0" u="none" strike="noStrike" cap="none">
                 <a:solidFill>
                   <a:srgbClr val="666666"/>
                 </a:solidFill>
-                <a:latin typeface="Roboto" panose="02010600030101010101"/>
-                <a:ea typeface="Roboto" panose="02010600030101010101"/>
-                <a:cs typeface="Roboto" panose="02010600030101010101"/>
-                <a:sym typeface="Roboto" panose="02010600030101010101"/>
+                <a:latin typeface="Roboto"/>
+                <a:ea typeface="Roboto"/>
+                <a:cs typeface="Roboto"/>
+                <a:sym typeface="Roboto"/>
               </a:defRPr>
             </a:lvl1pPr>
             <a:lvl2pPr lvl="1" indent="0" rtl="0">
@@ -7621,16 +7621,16 @@
               <a:buClr>
                 <a:schemeClr val="accent1"/>
               </a:buClr>
-              <a:buFont typeface="Roboto" panose="02010600030101010101"/>
+              <a:buFont typeface="Roboto"/>
               <a:buNone/>
               <a:defRPr sz="1200" b="0" i="0" u="none" strike="noStrike" cap="none">
                 <a:solidFill>
                   <a:schemeClr val="accent1"/>
                 </a:solidFill>
-                <a:latin typeface="Roboto" panose="02010600030101010101"/>
-                <a:ea typeface="Roboto" panose="02010600030101010101"/>
-                <a:cs typeface="Roboto" panose="02010600030101010101"/>
-                <a:sym typeface="Roboto" panose="02010600030101010101"/>
+                <a:latin typeface="Roboto"/>
+                <a:ea typeface="Roboto"/>
+                <a:cs typeface="Roboto"/>
+                <a:sym typeface="Roboto"/>
               </a:defRPr>
             </a:lvl1pPr>
             <a:lvl2pPr marL="457200" marR="0" lvl="1" indent="0" algn="l" rtl="0">
@@ -7646,16 +7646,16 @@
               <a:buClr>
                 <a:schemeClr val="accent1"/>
               </a:buClr>
-              <a:buFont typeface="Roboto" panose="02010600030101010101"/>
+              <a:buFont typeface="Roboto"/>
               <a:buNone/>
               <a:defRPr sz="1200" b="0" i="0" u="none" strike="noStrike" cap="none">
                 <a:solidFill>
                   <a:schemeClr val="accent1"/>
                 </a:solidFill>
-                <a:latin typeface="Roboto" panose="02010600030101010101"/>
-                <a:ea typeface="Roboto" panose="02010600030101010101"/>
-                <a:cs typeface="Roboto" panose="02010600030101010101"/>
-                <a:sym typeface="Roboto" panose="02010600030101010101"/>
+                <a:latin typeface="Roboto"/>
+                <a:ea typeface="Roboto"/>
+                <a:cs typeface="Roboto"/>
+                <a:sym typeface="Roboto"/>
               </a:defRPr>
             </a:lvl2pPr>
             <a:lvl3pPr marL="914400" marR="0" lvl="2" indent="0" algn="l" rtl="0">
@@ -7671,16 +7671,16 @@
               <a:buClr>
                 <a:schemeClr val="accent1"/>
               </a:buClr>
-              <a:buFont typeface="Roboto" panose="02010600030101010101"/>
+              <a:buFont typeface="Roboto"/>
               <a:buNone/>
               <a:defRPr sz="1200" b="0" i="0" u="none" strike="noStrike" cap="none">
                 <a:solidFill>
                   <a:schemeClr val="accent1"/>
                 </a:solidFill>
-                <a:latin typeface="Roboto" panose="02010600030101010101"/>
-                <a:ea typeface="Roboto" panose="02010600030101010101"/>
-                <a:cs typeface="Roboto" panose="02010600030101010101"/>
-                <a:sym typeface="Roboto" panose="02010600030101010101"/>
+                <a:latin typeface="Roboto"/>
+                <a:ea typeface="Roboto"/>
+                <a:cs typeface="Roboto"/>
+                <a:sym typeface="Roboto"/>
               </a:defRPr>
             </a:lvl3pPr>
             <a:lvl4pPr marL="1371600" marR="0" lvl="3" indent="0" algn="l" rtl="0">
@@ -7696,16 +7696,16 @@
               <a:buClr>
                 <a:schemeClr val="accent1"/>
               </a:buClr>
-              <a:buFont typeface="Roboto" panose="02010600030101010101"/>
+              <a:buFont typeface="Roboto"/>
               <a:buNone/>
               <a:defRPr sz="1200" b="0" i="0" u="none" strike="noStrike" cap="none">
                 <a:solidFill>
                   <a:schemeClr val="accent1"/>
                 </a:solidFill>
-                <a:latin typeface="Roboto" panose="02010600030101010101"/>
-                <a:ea typeface="Roboto" panose="02010600030101010101"/>
-                <a:cs typeface="Roboto" panose="02010600030101010101"/>
-                <a:sym typeface="Roboto" panose="02010600030101010101"/>
+                <a:latin typeface="Roboto"/>
+                <a:ea typeface="Roboto"/>
+                <a:cs typeface="Roboto"/>
+                <a:sym typeface="Roboto"/>
               </a:defRPr>
             </a:lvl4pPr>
             <a:lvl5pPr marL="1828800" marR="0" lvl="4" indent="0" algn="l" rtl="0">
@@ -7721,16 +7721,16 @@
               <a:buClr>
                 <a:schemeClr val="accent1"/>
               </a:buClr>
-              <a:buFont typeface="Roboto" panose="02010600030101010101"/>
+              <a:buFont typeface="Roboto"/>
               <a:buNone/>
               <a:defRPr sz="1200" b="0" i="0" u="none" strike="noStrike" cap="none">
                 <a:solidFill>
                   <a:schemeClr val="accent1"/>
                 </a:solidFill>
-                <a:latin typeface="Roboto" panose="02010600030101010101"/>
-                <a:ea typeface="Roboto" panose="02010600030101010101"/>
-                <a:cs typeface="Roboto" panose="02010600030101010101"/>
-                <a:sym typeface="Roboto" panose="02010600030101010101"/>
+                <a:latin typeface="Roboto"/>
+                <a:ea typeface="Roboto"/>
+                <a:cs typeface="Roboto"/>
+                <a:sym typeface="Roboto"/>
               </a:defRPr>
             </a:lvl5pPr>
             <a:lvl6pPr marL="2286000" marR="0" lvl="5" indent="0" algn="l" rtl="0">
@@ -7746,16 +7746,16 @@
               <a:buClr>
                 <a:schemeClr val="accent1"/>
               </a:buClr>
-              <a:buFont typeface="Roboto" panose="02010600030101010101"/>
+              <a:buFont typeface="Roboto"/>
               <a:buNone/>
               <a:defRPr sz="1200" b="0" i="0" u="none" strike="noStrike" cap="none">
                 <a:solidFill>
                   <a:schemeClr val="accent1"/>
                 </a:solidFill>
-                <a:latin typeface="Roboto" panose="02010600030101010101"/>
-                <a:ea typeface="Roboto" panose="02010600030101010101"/>
-                <a:cs typeface="Roboto" panose="02010600030101010101"/>
-                <a:sym typeface="Roboto" panose="02010600030101010101"/>
+                <a:latin typeface="Roboto"/>
+                <a:ea typeface="Roboto"/>
+                <a:cs typeface="Roboto"/>
+                <a:sym typeface="Roboto"/>
               </a:defRPr>
             </a:lvl6pPr>
             <a:lvl7pPr marL="2743200" marR="0" lvl="6" indent="0" algn="l" rtl="0">
@@ -7771,16 +7771,16 @@
               <a:buClr>
                 <a:schemeClr val="accent1"/>
               </a:buClr>
-              <a:buFont typeface="Roboto" panose="02010600030101010101"/>
+              <a:buFont typeface="Roboto"/>
               <a:buNone/>
               <a:defRPr sz="1200" b="0" i="0" u="none" strike="noStrike" cap="none">
                 <a:solidFill>
                   <a:schemeClr val="accent1"/>
                 </a:solidFill>
-                <a:latin typeface="Roboto" panose="02010600030101010101"/>
-                <a:ea typeface="Roboto" panose="02010600030101010101"/>
-                <a:cs typeface="Roboto" panose="02010600030101010101"/>
-                <a:sym typeface="Roboto" panose="02010600030101010101"/>
+                <a:latin typeface="Roboto"/>
+                <a:ea typeface="Roboto"/>
+                <a:cs typeface="Roboto"/>
+                <a:sym typeface="Roboto"/>
               </a:defRPr>
             </a:lvl7pPr>
             <a:lvl8pPr marL="3200400" marR="0" lvl="7" indent="0" algn="l" rtl="0">
@@ -7796,16 +7796,16 @@
               <a:buClr>
                 <a:schemeClr val="accent1"/>
               </a:buClr>
-              <a:buFont typeface="Roboto" panose="02010600030101010101"/>
+              <a:buFont typeface="Roboto"/>
               <a:buNone/>
               <a:defRPr sz="1200" b="0" i="0" u="none" strike="noStrike" cap="none">
                 <a:solidFill>
                   <a:schemeClr val="accent1"/>
                 </a:solidFill>
-                <a:latin typeface="Roboto" panose="02010600030101010101"/>
-                <a:ea typeface="Roboto" panose="02010600030101010101"/>
-                <a:cs typeface="Roboto" panose="02010600030101010101"/>
-                <a:sym typeface="Roboto" panose="02010600030101010101"/>
+                <a:latin typeface="Roboto"/>
+                <a:ea typeface="Roboto"/>
+                <a:cs typeface="Roboto"/>
+                <a:sym typeface="Roboto"/>
               </a:defRPr>
             </a:lvl8pPr>
             <a:lvl9pPr marL="3657600" marR="0" lvl="8" indent="0" algn="l" rtl="0">
@@ -7821,16 +7821,16 @@
               <a:buClr>
                 <a:schemeClr val="accent1"/>
               </a:buClr>
-              <a:buFont typeface="Roboto" panose="02010600030101010101"/>
+              <a:buFont typeface="Roboto"/>
               <a:buNone/>
               <a:defRPr sz="1200" b="0" i="0" u="none" strike="noStrike" cap="none">
                 <a:solidFill>
                   <a:schemeClr val="accent1"/>
                 </a:solidFill>
-                <a:latin typeface="Roboto" panose="02010600030101010101"/>
-                <a:ea typeface="Roboto" panose="02010600030101010101"/>
-                <a:cs typeface="Roboto" panose="02010600030101010101"/>
-                <a:sym typeface="Roboto" panose="02010600030101010101"/>
+                <a:latin typeface="Roboto"/>
+                <a:ea typeface="Roboto"/>
+                <a:cs typeface="Roboto"/>
+                <a:sym typeface="Roboto"/>
               </a:defRPr>
             </a:lvl9pPr>
           </a:lstStyle>
@@ -7981,16 +7981,16 @@
               <a:buClr>
                 <a:schemeClr val="accent2"/>
               </a:buClr>
-              <a:buFont typeface="Roboto" panose="02010600030101010101"/>
+              <a:buFont typeface="Roboto"/>
               <a:buNone/>
               <a:defRPr sz="2600" b="0" i="0" u="none" strike="noStrike" cap="none">
                 <a:solidFill>
                   <a:srgbClr val="666666"/>
                 </a:solidFill>
-                <a:latin typeface="Roboto" panose="02010600030101010101"/>
-                <a:ea typeface="Roboto" panose="02010600030101010101"/>
-                <a:cs typeface="Roboto" panose="02010600030101010101"/>
-                <a:sym typeface="Roboto" panose="02010600030101010101"/>
+                <a:latin typeface="Roboto"/>
+                <a:ea typeface="Roboto"/>
+                <a:cs typeface="Roboto"/>
+                <a:sym typeface="Roboto"/>
               </a:defRPr>
             </a:lvl1pPr>
             <a:lvl2pPr lvl="1" indent="0" rtl="0">
@@ -8154,16 +8154,16 @@
               <a:buClr>
                 <a:schemeClr val="accent1"/>
               </a:buClr>
-              <a:buFont typeface="Roboto" panose="02010600030101010101"/>
+              <a:buFont typeface="Roboto"/>
               <a:buNone/>
               <a:defRPr sz="1200" b="0" i="0" u="none" strike="noStrike" cap="none">
                 <a:solidFill>
                   <a:schemeClr val="accent1"/>
                 </a:solidFill>
-                <a:latin typeface="Roboto" panose="02010600030101010101"/>
-                <a:ea typeface="Roboto" panose="02010600030101010101"/>
-                <a:cs typeface="Roboto" panose="02010600030101010101"/>
-                <a:sym typeface="Roboto" panose="02010600030101010101"/>
+                <a:latin typeface="Roboto"/>
+                <a:ea typeface="Roboto"/>
+                <a:cs typeface="Roboto"/>
+                <a:sym typeface="Roboto"/>
               </a:defRPr>
             </a:lvl1pPr>
             <a:lvl2pPr marL="457200" marR="0" lvl="1" indent="0" algn="l" rtl="0">
@@ -8179,16 +8179,16 @@
               <a:buClr>
                 <a:schemeClr val="accent1"/>
               </a:buClr>
-              <a:buFont typeface="Roboto" panose="02010600030101010101"/>
+              <a:buFont typeface="Roboto"/>
               <a:buNone/>
               <a:defRPr sz="1200" b="0" i="0" u="none" strike="noStrike" cap="none">
                 <a:solidFill>
                   <a:schemeClr val="accent1"/>
                 </a:solidFill>
-                <a:latin typeface="Roboto" panose="02010600030101010101"/>
-                <a:ea typeface="Roboto" panose="02010600030101010101"/>
-                <a:cs typeface="Roboto" panose="02010600030101010101"/>
-                <a:sym typeface="Roboto" panose="02010600030101010101"/>
+                <a:latin typeface="Roboto"/>
+                <a:ea typeface="Roboto"/>
+                <a:cs typeface="Roboto"/>
+                <a:sym typeface="Roboto"/>
               </a:defRPr>
             </a:lvl2pPr>
             <a:lvl3pPr marL="914400" marR="0" lvl="2" indent="0" algn="l" rtl="0">
@@ -8204,16 +8204,16 @@
               <a:buClr>
                 <a:schemeClr val="accent1"/>
               </a:buClr>
-              <a:buFont typeface="Roboto" panose="02010600030101010101"/>
+              <a:buFont typeface="Roboto"/>
               <a:buNone/>
               <a:defRPr sz="1200" b="0" i="0" u="none" strike="noStrike" cap="none">
                 <a:solidFill>
                   <a:schemeClr val="accent1"/>
                 </a:solidFill>
-                <a:latin typeface="Roboto" panose="02010600030101010101"/>
-                <a:ea typeface="Roboto" panose="02010600030101010101"/>
-                <a:cs typeface="Roboto" panose="02010600030101010101"/>
-                <a:sym typeface="Roboto" panose="02010600030101010101"/>
+                <a:latin typeface="Roboto"/>
+                <a:ea typeface="Roboto"/>
+                <a:cs typeface="Roboto"/>
+                <a:sym typeface="Roboto"/>
               </a:defRPr>
             </a:lvl3pPr>
             <a:lvl4pPr marL="1371600" marR="0" lvl="3" indent="0" algn="l" rtl="0">
@@ -8229,16 +8229,16 @@
               <a:buClr>
                 <a:schemeClr val="accent1"/>
               </a:buClr>
-              <a:buFont typeface="Roboto" panose="02010600030101010101"/>
+              <a:buFont typeface="Roboto"/>
               <a:buNone/>
               <a:defRPr sz="1200" b="0" i="0" u="none" strike="noStrike" cap="none">
                 <a:solidFill>
                   <a:schemeClr val="accent1"/>
                 </a:solidFill>
-                <a:latin typeface="Roboto" panose="02010600030101010101"/>
-                <a:ea typeface="Roboto" panose="02010600030101010101"/>
-                <a:cs typeface="Roboto" panose="02010600030101010101"/>
-                <a:sym typeface="Roboto" panose="02010600030101010101"/>
+                <a:latin typeface="Roboto"/>
+                <a:ea typeface="Roboto"/>
+                <a:cs typeface="Roboto"/>
+                <a:sym typeface="Roboto"/>
               </a:defRPr>
             </a:lvl4pPr>
             <a:lvl5pPr marL="1828800" marR="0" lvl="4" indent="0" algn="l" rtl="0">
@@ -8254,16 +8254,16 @@
               <a:buClr>
                 <a:schemeClr val="accent1"/>
               </a:buClr>
-              <a:buFont typeface="Roboto" panose="02010600030101010101"/>
+              <a:buFont typeface="Roboto"/>
               <a:buNone/>
               <a:defRPr sz="1200" b="0" i="0" u="none" strike="noStrike" cap="none">
                 <a:solidFill>
                   <a:schemeClr val="accent1"/>
                 </a:solidFill>
-                <a:latin typeface="Roboto" panose="02010600030101010101"/>
-                <a:ea typeface="Roboto" panose="02010600030101010101"/>
-                <a:cs typeface="Roboto" panose="02010600030101010101"/>
-                <a:sym typeface="Roboto" panose="02010600030101010101"/>
+                <a:latin typeface="Roboto"/>
+                <a:ea typeface="Roboto"/>
+                <a:cs typeface="Roboto"/>
+                <a:sym typeface="Roboto"/>
               </a:defRPr>
             </a:lvl5pPr>
             <a:lvl6pPr marL="2286000" marR="0" lvl="5" indent="0" algn="l" rtl="0">
@@ -8279,16 +8279,16 @@
               <a:buClr>
                 <a:schemeClr val="accent1"/>
               </a:buClr>
-              <a:buFont typeface="Roboto" panose="02010600030101010101"/>
+              <a:buFont typeface="Roboto"/>
               <a:buNone/>
               <a:defRPr sz="1200" b="0" i="0" u="none" strike="noStrike" cap="none">
                 <a:solidFill>
                   <a:schemeClr val="accent1"/>
                 </a:solidFill>
-                <a:latin typeface="Roboto" panose="02010600030101010101"/>
-                <a:ea typeface="Roboto" panose="02010600030101010101"/>
-                <a:cs typeface="Roboto" panose="02010600030101010101"/>
-                <a:sym typeface="Roboto" panose="02010600030101010101"/>
+                <a:latin typeface="Roboto"/>
+                <a:ea typeface="Roboto"/>
+                <a:cs typeface="Roboto"/>
+                <a:sym typeface="Roboto"/>
               </a:defRPr>
             </a:lvl6pPr>
             <a:lvl7pPr marL="2743200" marR="0" lvl="6" indent="0" algn="l" rtl="0">
@@ -8304,16 +8304,16 @@
               <a:buClr>
                 <a:schemeClr val="accent1"/>
               </a:buClr>
-              <a:buFont typeface="Roboto" panose="02010600030101010101"/>
+              <a:buFont typeface="Roboto"/>
               <a:buNone/>
               <a:defRPr sz="1200" b="0" i="0" u="none" strike="noStrike" cap="none">
                 <a:solidFill>
                   <a:schemeClr val="accent1"/>
                 </a:solidFill>
-                <a:latin typeface="Roboto" panose="02010600030101010101"/>
-                <a:ea typeface="Roboto" panose="02010600030101010101"/>
-                <a:cs typeface="Roboto" panose="02010600030101010101"/>
-                <a:sym typeface="Roboto" panose="02010600030101010101"/>
+                <a:latin typeface="Roboto"/>
+                <a:ea typeface="Roboto"/>
+                <a:cs typeface="Roboto"/>
+                <a:sym typeface="Roboto"/>
               </a:defRPr>
             </a:lvl7pPr>
             <a:lvl8pPr marL="3200400" marR="0" lvl="7" indent="0" algn="l" rtl="0">
@@ -8329,16 +8329,16 @@
               <a:buClr>
                 <a:schemeClr val="accent1"/>
               </a:buClr>
-              <a:buFont typeface="Roboto" panose="02010600030101010101"/>
+              <a:buFont typeface="Roboto"/>
               <a:buNone/>
               <a:defRPr sz="1200" b="0" i="0" u="none" strike="noStrike" cap="none">
                 <a:solidFill>
                   <a:schemeClr val="accent1"/>
                 </a:solidFill>
-                <a:latin typeface="Roboto" panose="02010600030101010101"/>
-                <a:ea typeface="Roboto" panose="02010600030101010101"/>
-                <a:cs typeface="Roboto" panose="02010600030101010101"/>
-                <a:sym typeface="Roboto" panose="02010600030101010101"/>
+                <a:latin typeface="Roboto"/>
+                <a:ea typeface="Roboto"/>
+                <a:cs typeface="Roboto"/>
+                <a:sym typeface="Roboto"/>
               </a:defRPr>
             </a:lvl8pPr>
             <a:lvl9pPr marL="3657600" marR="0" lvl="8" indent="0" algn="l" rtl="0">
@@ -8354,16 +8354,16 @@
               <a:buClr>
                 <a:schemeClr val="accent1"/>
               </a:buClr>
-              <a:buFont typeface="Roboto" panose="02010600030101010101"/>
+              <a:buFont typeface="Roboto"/>
               <a:buNone/>
               <a:defRPr sz="1200" b="0" i="0" u="none" strike="noStrike" cap="none">
                 <a:solidFill>
                   <a:schemeClr val="accent1"/>
                 </a:solidFill>
-                <a:latin typeface="Roboto" panose="02010600030101010101"/>
-                <a:ea typeface="Roboto" panose="02010600030101010101"/>
-                <a:cs typeface="Roboto" panose="02010600030101010101"/>
-                <a:sym typeface="Roboto" panose="02010600030101010101"/>
+                <a:latin typeface="Roboto"/>
+                <a:ea typeface="Roboto"/>
+                <a:cs typeface="Roboto"/>
+                <a:sym typeface="Roboto"/>
               </a:defRPr>
             </a:lvl9pPr>
           </a:lstStyle>
@@ -8514,16 +8514,16 @@
               <a:buClr>
                 <a:schemeClr val="accent2"/>
               </a:buClr>
-              <a:buFont typeface="Roboto" panose="02010600030101010101"/>
+              <a:buFont typeface="Roboto"/>
               <a:buNone/>
               <a:defRPr sz="2600" b="0" i="0" u="none" strike="noStrike" cap="none">
                 <a:solidFill>
                   <a:srgbClr val="666666"/>
                 </a:solidFill>
-                <a:latin typeface="Roboto" panose="02010600030101010101"/>
-                <a:ea typeface="Roboto" panose="02010600030101010101"/>
-                <a:cs typeface="Roboto" panose="02010600030101010101"/>
-                <a:sym typeface="Roboto" panose="02010600030101010101"/>
+                <a:latin typeface="Roboto"/>
+                <a:ea typeface="Roboto"/>
+                <a:cs typeface="Roboto"/>
+                <a:sym typeface="Roboto"/>
               </a:defRPr>
             </a:lvl1pPr>
             <a:lvl2pPr lvl="1" indent="0" rtl="0">
@@ -8687,16 +8687,16 @@
               <a:buClr>
                 <a:schemeClr val="accent1"/>
               </a:buClr>
-              <a:buFont typeface="Roboto" panose="02010600030101010101"/>
+              <a:buFont typeface="Roboto"/>
               <a:buNone/>
               <a:defRPr sz="1200" b="0" i="0" u="none" strike="noStrike" cap="none">
                 <a:solidFill>
                   <a:schemeClr val="accent1"/>
                 </a:solidFill>
-                <a:latin typeface="Roboto" panose="02010600030101010101"/>
-                <a:ea typeface="Roboto" panose="02010600030101010101"/>
-                <a:cs typeface="Roboto" panose="02010600030101010101"/>
-                <a:sym typeface="Roboto" panose="02010600030101010101"/>
+                <a:latin typeface="Roboto"/>
+                <a:ea typeface="Roboto"/>
+                <a:cs typeface="Roboto"/>
+                <a:sym typeface="Roboto"/>
               </a:defRPr>
             </a:lvl1pPr>
             <a:lvl2pPr marL="457200" marR="0" lvl="1" indent="0" algn="l" rtl="0">
@@ -8712,16 +8712,16 @@
               <a:buClr>
                 <a:schemeClr val="accent1"/>
               </a:buClr>
-              <a:buFont typeface="Roboto" panose="02010600030101010101"/>
+              <a:buFont typeface="Roboto"/>
               <a:buNone/>
               <a:defRPr sz="1200" b="0" i="0" u="none" strike="noStrike" cap="none">
                 <a:solidFill>
                   <a:schemeClr val="accent1"/>
                 </a:solidFill>
-                <a:latin typeface="Roboto" panose="02010600030101010101"/>
-                <a:ea typeface="Roboto" panose="02010600030101010101"/>
-                <a:cs typeface="Roboto" panose="02010600030101010101"/>
-                <a:sym typeface="Roboto" panose="02010600030101010101"/>
+                <a:latin typeface="Roboto"/>
+                <a:ea typeface="Roboto"/>
+                <a:cs typeface="Roboto"/>
+                <a:sym typeface="Roboto"/>
               </a:defRPr>
             </a:lvl2pPr>
             <a:lvl3pPr marL="914400" marR="0" lvl="2" indent="0" algn="l" rtl="0">
@@ -8737,16 +8737,16 @@
               <a:buClr>
                 <a:schemeClr val="accent1"/>
               </a:buClr>
-              <a:buFont typeface="Roboto" panose="02010600030101010101"/>
+              <a:buFont typeface="Roboto"/>
               <a:buNone/>
               <a:defRPr sz="1200" b="0" i="0" u="none" strike="noStrike" cap="none">
                 <a:solidFill>
                   <a:schemeClr val="accent1"/>
                 </a:solidFill>
-                <a:latin typeface="Roboto" panose="02010600030101010101"/>
-                <a:ea typeface="Roboto" panose="02010600030101010101"/>
-                <a:cs typeface="Roboto" panose="02010600030101010101"/>
-                <a:sym typeface="Roboto" panose="02010600030101010101"/>
+                <a:latin typeface="Roboto"/>
+                <a:ea typeface="Roboto"/>
+                <a:cs typeface="Roboto"/>
+                <a:sym typeface="Roboto"/>
               </a:defRPr>
             </a:lvl3pPr>
             <a:lvl4pPr marL="1371600" marR="0" lvl="3" indent="0" algn="l" rtl="0">
@@ -8762,16 +8762,16 @@
               <a:buClr>
                 <a:schemeClr val="accent1"/>
               </a:buClr>
-              <a:buFont typeface="Roboto" panose="02010600030101010101"/>
+              <a:buFont typeface="Roboto"/>
               <a:buNone/>
               <a:defRPr sz="1200" b="0" i="0" u="none" strike="noStrike" cap="none">
                 <a:solidFill>
                   <a:schemeClr val="accent1"/>
                 </a:solidFill>
-                <a:latin typeface="Roboto" panose="02010600030101010101"/>
-                <a:ea typeface="Roboto" panose="02010600030101010101"/>
-                <a:cs typeface="Roboto" panose="02010600030101010101"/>
-                <a:sym typeface="Roboto" panose="02010600030101010101"/>
+                <a:latin typeface="Roboto"/>
+                <a:ea typeface="Roboto"/>
+                <a:cs typeface="Roboto"/>
+                <a:sym typeface="Roboto"/>
               </a:defRPr>
             </a:lvl4pPr>
             <a:lvl5pPr marL="1828800" marR="0" lvl="4" indent="0" algn="l" rtl="0">
@@ -8787,16 +8787,16 @@
               <a:buClr>
                 <a:schemeClr val="accent1"/>
               </a:buClr>
-              <a:buFont typeface="Roboto" panose="02010600030101010101"/>
+              <a:buFont typeface="Roboto"/>
               <a:buNone/>
               <a:defRPr sz="1200" b="0" i="0" u="none" strike="noStrike" cap="none">
                 <a:solidFill>
                   <a:schemeClr val="accent1"/>
                 </a:solidFill>
-                <a:latin typeface="Roboto" panose="02010600030101010101"/>
-                <a:ea typeface="Roboto" panose="02010600030101010101"/>
-                <a:cs typeface="Roboto" panose="02010600030101010101"/>
-                <a:sym typeface="Roboto" panose="02010600030101010101"/>
+                <a:latin typeface="Roboto"/>
+                <a:ea typeface="Roboto"/>
+                <a:cs typeface="Roboto"/>
+                <a:sym typeface="Roboto"/>
               </a:defRPr>
             </a:lvl5pPr>
             <a:lvl6pPr marL="2286000" marR="0" lvl="5" indent="0" algn="l" rtl="0">
@@ -8812,16 +8812,16 @@
               <a:buClr>
                 <a:schemeClr val="accent1"/>
               </a:buClr>
-              <a:buFont typeface="Roboto" panose="02010600030101010101"/>
+              <a:buFont typeface="Roboto"/>
               <a:buNone/>
               <a:defRPr sz="1200" b="0" i="0" u="none" strike="noStrike" cap="none">
                 <a:solidFill>
                   <a:schemeClr val="accent1"/>
                 </a:solidFill>
-                <a:latin typeface="Roboto" panose="02010600030101010101"/>
-                <a:ea typeface="Roboto" panose="02010600030101010101"/>
-                <a:cs typeface="Roboto" panose="02010600030101010101"/>
-                <a:sym typeface="Roboto" panose="02010600030101010101"/>
+                <a:latin typeface="Roboto"/>
+                <a:ea typeface="Roboto"/>
+                <a:cs typeface="Roboto"/>
+                <a:sym typeface="Roboto"/>
               </a:defRPr>
             </a:lvl6pPr>
             <a:lvl7pPr marL="2743200" marR="0" lvl="6" indent="0" algn="l" rtl="0">
@@ -8837,16 +8837,16 @@
               <a:buClr>
                 <a:schemeClr val="accent1"/>
               </a:buClr>
-              <a:buFont typeface="Roboto" panose="02010600030101010101"/>
+              <a:buFont typeface="Roboto"/>
               <a:buNone/>
               <a:defRPr sz="1200" b="0" i="0" u="none" strike="noStrike" cap="none">
                 <a:solidFill>
                   <a:schemeClr val="accent1"/>
                 </a:solidFill>
-                <a:latin typeface="Roboto" panose="02010600030101010101"/>
-                <a:ea typeface="Roboto" panose="02010600030101010101"/>
-                <a:cs typeface="Roboto" panose="02010600030101010101"/>
-                <a:sym typeface="Roboto" panose="02010600030101010101"/>
+                <a:latin typeface="Roboto"/>
+                <a:ea typeface="Roboto"/>
+                <a:cs typeface="Roboto"/>
+                <a:sym typeface="Roboto"/>
               </a:defRPr>
             </a:lvl7pPr>
             <a:lvl8pPr marL="3200400" marR="0" lvl="7" indent="0" algn="l" rtl="0">
@@ -8862,16 +8862,16 @@
               <a:buClr>
                 <a:schemeClr val="accent1"/>
               </a:buClr>
-              <a:buFont typeface="Roboto" panose="02010600030101010101"/>
+              <a:buFont typeface="Roboto"/>
               <a:buNone/>
               <a:defRPr sz="1200" b="0" i="0" u="none" strike="noStrike" cap="none">
                 <a:solidFill>
                   <a:schemeClr val="accent1"/>
                 </a:solidFill>
-                <a:latin typeface="Roboto" panose="02010600030101010101"/>
-                <a:ea typeface="Roboto" panose="02010600030101010101"/>
-                <a:cs typeface="Roboto" panose="02010600030101010101"/>
-                <a:sym typeface="Roboto" panose="02010600030101010101"/>
+                <a:latin typeface="Roboto"/>
+                <a:ea typeface="Roboto"/>
+                <a:cs typeface="Roboto"/>
+                <a:sym typeface="Roboto"/>
               </a:defRPr>
             </a:lvl8pPr>
             <a:lvl9pPr marL="3657600" marR="0" lvl="8" indent="0" algn="l" rtl="0">
@@ -8887,16 +8887,16 @@
               <a:buClr>
                 <a:schemeClr val="accent1"/>
               </a:buClr>
-              <a:buFont typeface="Roboto" panose="02010600030101010101"/>
+              <a:buFont typeface="Roboto"/>
               <a:buNone/>
               <a:defRPr sz="1200" b="0" i="0" u="none" strike="noStrike" cap="none">
                 <a:solidFill>
                   <a:schemeClr val="accent1"/>
                 </a:solidFill>
-                <a:latin typeface="Roboto" panose="02010600030101010101"/>
-                <a:ea typeface="Roboto" panose="02010600030101010101"/>
-                <a:cs typeface="Roboto" panose="02010600030101010101"/>
-                <a:sym typeface="Roboto" panose="02010600030101010101"/>
+                <a:latin typeface="Roboto"/>
+                <a:ea typeface="Roboto"/>
+                <a:cs typeface="Roboto"/>
+                <a:sym typeface="Roboto"/>
               </a:defRPr>
             </a:lvl9pPr>
           </a:lstStyle>
@@ -13093,7 +13093,7 @@
         </p:nvSpPr>
         <p:spPr>
           <a:xfrm>
-            <a:off x="393791" y="3036563"/>
+            <a:off x="406491" y="3036563"/>
             <a:ext cx="8330700" cy="558000"/>
           </a:xfrm>
           <a:prstGeom prst="rect">
@@ -14750,8 +14750,6 @@
       </a:bgFillStyleLst>
     </a:fmtScheme>
   </a:themeElements>
-  <a:objectDefaults/>
-  <a:extraClrSchemeLst/>
   <a:extLst>
     <a:ext uri="{05A4C25C-085E-4340-85A3-A5531E510DB2}">
       <thm15:themeFamily xmlns:thm15="http://schemas.microsoft.com/office/thememl/2012/main" name="Office Theme" id="{62F939B6-93AF-4DB8-9C6B-D6C7DFDC589F}" vid="{4A3C46E8-61CC-4603-A589-7422A47A8E4A}"/>
@@ -15036,8 +15034,6 @@
       </a:bgFillStyleLst>
     </a:fmtScheme>
   </a:themeElements>
-  <a:objectDefaults/>
-  <a:extraClrSchemeLst/>
   <a:extLst>
     <a:ext uri="{05A4C25C-085E-4340-85A3-A5531E510DB2}">
       <thm15:themeFamily xmlns:thm15="http://schemas.microsoft.com/office/thememl/2012/main" name="Office Theme" id="{62F939B6-93AF-4DB8-9C6B-D6C7DFDC589F}" vid="{4A3C46E8-61CC-4603-A589-7422A47A8E4A}"/>
@@ -15322,8 +15318,6 @@
       </a:bgFillStyleLst>
     </a:fmtScheme>
   </a:themeElements>
-  <a:objectDefaults/>
-  <a:extraClrSchemeLst/>
   <a:extLst>
     <a:ext uri="{05A4C25C-085E-4340-85A3-A5531E510DB2}">
       <thm15:themeFamily xmlns:thm15="http://schemas.microsoft.com/office/thememl/2012/main" name="Office Theme" id="{62F939B6-93AF-4DB8-9C6B-D6C7DFDC589F}" vid="{4A3C46E8-61CC-4603-A589-7422A47A8E4A}"/>
